--- a/assets/Save the children – cost of the diet.pptx
+++ b/assets/Save the children – cost of the diet.pptx
@@ -6,9 +6,10 @@
   </p:sldMasterIdLst>
   <p:sldIdLst>
     <p:sldId id="256" r:id="rId2"/>
-    <p:sldId id="258" r:id="rId3"/>
+    <p:sldId id="262" r:id="rId3"/>
     <p:sldId id="257" r:id="rId4"/>
-    <p:sldId id="259" r:id="rId5"/>
+    <p:sldId id="260" r:id="rId5"/>
+    <p:sldId id="259" r:id="rId6"/>
   </p:sldIdLst>
   <p:sldSz cx="12192000" cy="6858000"/>
   <p:notesSz cx="6858000" cy="9144000"/>
@@ -3658,7 +3659,7 @@
             </a:r>
             <a:r>
               <a:rPr lang="en-GB" dirty="0"/>
-              <a:t>– cost of the diet</a:t>
+              <a:t>– “cost of the diet”</a:t>
             </a:r>
           </a:p>
         </p:txBody>
@@ -3875,101 +3876,123 @@
           <a:lstStyle/>
           <a:p>
             <a:r>
+              <a:rPr lang="en-GB" dirty="0"/>
+              <a:t>The focus areas</a:t>
+            </a:r>
+          </a:p>
+        </p:txBody>
+      </p:sp>
+      <p:sp>
+        <p:nvSpPr>
+          <p:cNvPr id="3" name="Content Placeholder 2"/>
+          <p:cNvSpPr>
+            <a:spLocks noGrp="1"/>
+          </p:cNvSpPr>
+          <p:nvPr>
+            <p:ph idx="1"/>
+          </p:nvPr>
+        </p:nvSpPr>
+        <p:spPr/>
+        <p:txBody>
+          <a:bodyPr>
+            <a:normAutofit lnSpcReduction="10000"/>
+          </a:bodyPr>
+          <a:lstStyle/>
+          <a:p>
+            <a:r>
+              <a:rPr lang="en-GB" dirty="0"/>
+              <a:t>We are providing a </a:t>
+            </a:r>
+            <a:r>
               <a:rPr lang="en-GB" b="1" dirty="0"/>
-              <a:t>What were our aims &amp; objectives</a:t>
-            </a:r>
-          </a:p>
-        </p:txBody>
-      </p:sp>
-      <p:sp>
-        <p:nvSpPr>
-          <p:cNvPr id="3" name="Content Placeholder 2"/>
-          <p:cNvSpPr>
-            <a:spLocks noGrp="1"/>
-          </p:cNvSpPr>
-          <p:nvPr>
-            <p:ph idx="1"/>
-          </p:nvPr>
-        </p:nvSpPr>
-        <p:spPr>
-          <a:xfrm>
-            <a:off x="1141412" y="2249486"/>
-            <a:ext cx="9905999" cy="4142521"/>
-          </a:xfrm>
-        </p:spPr>
-        <p:txBody>
-          <a:bodyPr>
-            <a:normAutofit/>
-          </a:bodyPr>
-          <a:lstStyle/>
-          <a:p>
+              <a:t>user friendly </a:t>
+            </a:r>
+            <a:r>
+              <a:rPr lang="en-GB" dirty="0"/>
+              <a:t>offline application which visualised the wealth in the databases.</a:t>
+            </a:r>
+          </a:p>
+          <a:p>
+            <a:r>
+              <a:rPr lang="en-GB" dirty="0"/>
+              <a:t>We are expressing the </a:t>
+            </a:r>
             <a:r>
               <a:rPr lang="en-GB" b="1" dirty="0"/>
-              <a:t>Re-develop the current software</a:t>
+              <a:t>data visually </a:t>
             </a:r>
             <a:r>
               <a:rPr lang="en-GB" dirty="0"/>
-              <a:t> (Cost of the diet), to be user friendly yet simple in-order for the nutritionist. This make it able for the </a:t>
+              <a:t>on a </a:t>
             </a:r>
             <a:r>
               <a:rPr lang="en-GB" b="1" dirty="0"/>
-              <a:t>nutritionists to easily and correctly provide information to mothers and families in low economically developed countries</a:t>
+              <a:t>tablet format</a:t>
             </a:r>
             <a:r>
               <a:rPr lang="en-GB" dirty="0"/>
-              <a:t> </a:t>
-            </a:r>
+              <a:t>. </a:t>
+            </a:r>
+          </a:p>
+          <a:p>
             <a:r>
               <a:rPr lang="en-GB" dirty="0"/>
-              <a:t>(LEDC’s)</a:t>
+              <a:t>Visualises the recommended requirements based on </a:t>
+            </a:r>
+            <a:r>
+              <a:rPr lang="en-GB" b="1" dirty="0"/>
+              <a:t>different age ranges </a:t>
             </a:r>
             <a:r>
               <a:rPr lang="en-GB" dirty="0"/>
-              <a:t> about how to be getting the best diet for the best price.</a:t>
-            </a:r>
-          </a:p>
-          <a:p>
+              <a:t>in the application, which based on this it represents those in </a:t>
+            </a:r>
+            <a:r>
+              <a:rPr lang="en-GB" b="1" dirty="0"/>
+              <a:t>locally available </a:t>
+            </a:r>
             <a:r>
               <a:rPr lang="en-GB" dirty="0"/>
-              <a:t>Our objective was to develop a GUI based around </a:t>
+              <a:t>produce.</a:t>
+            </a:r>
+          </a:p>
+          <a:p>
+            <a:r>
+              <a:rPr lang="en-GB" dirty="0"/>
+              <a:t>For each </a:t>
             </a:r>
             <a:r>
               <a:rPr lang="en-GB" b="1" dirty="0"/>
-              <a:t>pictures</a:t>
-            </a:r>
-            <a:r>
-              <a:rPr lang="en-GB" dirty="0"/>
-              <a:t>, making it simple yet effective when shown to mothers in LEDC’s.</a:t>
-            </a:r>
-          </a:p>
-          <a:p>
-            <a:r>
-              <a:rPr lang="en-GB" dirty="0"/>
-              <a:t>Secondly, Due to their being no internet in these regions it was vital that we made the </a:t>
-            </a:r>
-            <a:r>
-              <a:rPr lang="en-GB" b="1" dirty="0"/>
-              <a:t>application offline</a:t>
-            </a:r>
-            <a:r>
-              <a:rPr lang="en-GB" dirty="0"/>
-              <a:t>, storing a </a:t>
-            </a:r>
-            <a:r>
-              <a:rPr lang="en-GB" b="1" dirty="0"/>
-              <a:t>database onto the tablet</a:t>
+              <a:t>age range we are summarising up the daily costs</a:t>
             </a:r>
             <a:r>
               <a:rPr lang="en-GB" dirty="0"/>
               <a:t>.</a:t>
             </a:r>
+          </a:p>
+          <a:p>
+            <a:r>
+              <a:rPr lang="en-GB" dirty="0"/>
+              <a:t>Focusing on the education to provide help to people to have a </a:t>
+            </a:r>
+            <a:r>
+              <a:rPr lang="en-GB" b="1" dirty="0"/>
+              <a:t>healthy diet </a:t>
+            </a:r>
+            <a:r>
+              <a:rPr lang="en-GB" dirty="0"/>
+              <a:t>which they may not know what was required/could be provided through local providers.</a:t>
+            </a:r>
+          </a:p>
+          <a:p>
+            <a:endParaRPr lang="en-GB" dirty="0"/>
           </a:p>
         </p:txBody>
       </p:sp>
     </p:spTree>
     <p:extLst>
       <p:ext uri="{BB962C8B-B14F-4D97-AF65-F5344CB8AC3E}">
-        <p14:creationId xmlns:p14="http://schemas.microsoft.com/office/powerpoint/2010/main" val="3278084967"/>
+        <p14:creationId xmlns:p14="http://schemas.microsoft.com/office/powerpoint/2010/main" val="517632581"/>
       </p:ext>
     </p:extLst>
   </p:cSld>
@@ -4013,7 +4036,7 @@
           <a:p>
             <a:r>
               <a:rPr lang="en-GB" b="1" dirty="0"/>
-              <a:t>What we did and what we still need to do</a:t>
+              <a:t>How we did it</a:t>
             </a:r>
           </a:p>
         </p:txBody>
@@ -4030,10 +4053,110 @@
         </p:nvSpPr>
         <p:spPr/>
         <p:txBody>
-          <a:bodyPr/>
-          <a:lstStyle/>
-          <a:p>
-            <a:endParaRPr lang="en-GB" dirty="0"/>
+          <a:bodyPr>
+            <a:normAutofit/>
+          </a:bodyPr>
+          <a:lstStyle/>
+          <a:p>
+            <a:r>
+              <a:rPr lang="en-GB" dirty="0"/>
+              <a:t>More </a:t>
+            </a:r>
+            <a:r>
+              <a:rPr lang="en-GB" b="1" dirty="0"/>
+              <a:t>user friendly </a:t>
+            </a:r>
+            <a:r>
+              <a:rPr lang="en-GB" dirty="0"/>
+              <a:t>design, which makes it </a:t>
+            </a:r>
+            <a:r>
+              <a:rPr lang="en-GB" b="1" dirty="0"/>
+              <a:t>clean and simple </a:t>
+            </a:r>
+            <a:r>
+              <a:rPr lang="en-GB" dirty="0"/>
+              <a:t>using </a:t>
+            </a:r>
+            <a:r>
+              <a:rPr lang="en-GB" b="1" dirty="0" err="1"/>
+              <a:t>Roboto</a:t>
+            </a:r>
+            <a:r>
+              <a:rPr lang="en-GB" b="1" dirty="0"/>
+              <a:t> </a:t>
+            </a:r>
+            <a:r>
+              <a:rPr lang="en-GB" dirty="0"/>
+              <a:t>font which is one of the </a:t>
+            </a:r>
+            <a:r>
+              <a:rPr lang="en-GB" b="1" dirty="0"/>
+              <a:t>most known fonts </a:t>
+            </a:r>
+            <a:r>
+              <a:rPr lang="en-GB" dirty="0"/>
+              <a:t>for people with </a:t>
+            </a:r>
+            <a:r>
+              <a:rPr lang="en-GB" b="1" dirty="0"/>
+              <a:t>disabilities'</a:t>
+            </a:r>
+            <a:r>
+              <a:rPr lang="en-GB" dirty="0"/>
+              <a:t> to easily </a:t>
+            </a:r>
+            <a:r>
+              <a:rPr lang="en-GB" b="1" dirty="0"/>
+              <a:t>read</a:t>
+            </a:r>
+            <a:r>
+              <a:rPr lang="en-GB" dirty="0"/>
+              <a:t>.</a:t>
+            </a:r>
+            <a:endParaRPr lang="en-GB" b="1" dirty="0"/>
+          </a:p>
+          <a:p>
+            <a:r>
+              <a:rPr lang="en-GB" dirty="0"/>
+              <a:t>Pictures and icons for </a:t>
+            </a:r>
+            <a:r>
+              <a:rPr lang="en-GB" b="1" dirty="0"/>
+              <a:t>ease </a:t>
+            </a:r>
+            <a:r>
+              <a:rPr lang="en-GB" dirty="0"/>
+              <a:t>and </a:t>
+            </a:r>
+            <a:r>
+              <a:rPr lang="en-GB" b="1" dirty="0"/>
+              <a:t>simplicity</a:t>
+            </a:r>
+            <a:r>
+              <a:rPr lang="en-GB" dirty="0"/>
+              <a:t> with great flow</a:t>
+            </a:r>
+          </a:p>
+          <a:p>
+            <a:r>
+              <a:rPr lang="en-GB" b="1" dirty="0"/>
+              <a:t>Visualisation of data</a:t>
+            </a:r>
+          </a:p>
+          <a:p>
+            <a:r>
+              <a:rPr lang="en-GB" dirty="0"/>
+              <a:t>Starting off with an area and going more in depth to then </a:t>
+            </a:r>
+            <a:r>
+              <a:rPr lang="en-GB" b="1" dirty="0"/>
+              <a:t>classify what a person/child needs in this area for a nutritional diet</a:t>
+            </a:r>
+            <a:r>
+              <a:rPr lang="en-GB" dirty="0"/>
+              <a:t>. </a:t>
+            </a:r>
           </a:p>
         </p:txBody>
       </p:sp>
@@ -4084,6 +4207,192 @@
           <a:p>
             <a:r>
               <a:rPr lang="en-GB" b="1" dirty="0"/>
+              <a:t>roadmap and into the future</a:t>
+            </a:r>
+            <a:endParaRPr lang="en-GB" dirty="0"/>
+          </a:p>
+        </p:txBody>
+      </p:sp>
+      <p:sp>
+        <p:nvSpPr>
+          <p:cNvPr id="3" name="Content Placeholder 2"/>
+          <p:cNvSpPr>
+            <a:spLocks noGrp="1"/>
+          </p:cNvSpPr>
+          <p:nvPr>
+            <p:ph idx="1"/>
+          </p:nvPr>
+        </p:nvSpPr>
+        <p:spPr/>
+        <p:txBody>
+          <a:bodyPr>
+            <a:normAutofit/>
+          </a:bodyPr>
+          <a:lstStyle/>
+          <a:p>
+            <a:r>
+              <a:rPr lang="en-GB" b="1" dirty="0"/>
+              <a:t>Auto Synchronisation</a:t>
+            </a:r>
+            <a:r>
+              <a:rPr lang="en-GB" dirty="0"/>
+              <a:t>, download newest database when connected to internet.</a:t>
+            </a:r>
+          </a:p>
+          <a:p>
+            <a:r>
+              <a:rPr lang="en-GB" dirty="0"/>
+              <a:t>Due to their being </a:t>
+            </a:r>
+            <a:r>
+              <a:rPr lang="en-GB" b="1" dirty="0"/>
+              <a:t>no internet </a:t>
+            </a:r>
+            <a:r>
+              <a:rPr lang="en-GB" dirty="0"/>
+              <a:t>in these regions it was vital that we made the </a:t>
+            </a:r>
+            <a:r>
+              <a:rPr lang="en-GB" b="1" dirty="0"/>
+              <a:t>application offline</a:t>
+            </a:r>
+            <a:r>
+              <a:rPr lang="en-GB" dirty="0"/>
+              <a:t>, storing a </a:t>
+            </a:r>
+            <a:r>
+              <a:rPr lang="en-GB" b="1" dirty="0"/>
+              <a:t>database onto the tablet</a:t>
+            </a:r>
+            <a:r>
+              <a:rPr lang="en-GB" dirty="0"/>
+              <a:t>.</a:t>
+            </a:r>
+            <a:endParaRPr lang="en-GB" dirty="0"/>
+          </a:p>
+          <a:p>
+            <a:r>
+              <a:rPr lang="en-GB" b="1" dirty="0"/>
+              <a:t>Further development </a:t>
+            </a:r>
+            <a:r>
+              <a:rPr lang="en-GB" dirty="0"/>
+              <a:t>(GUI) – more clarity and functionality.</a:t>
+            </a:r>
+          </a:p>
+          <a:p>
+            <a:r>
+              <a:rPr lang="en-GB" dirty="0"/>
+              <a:t>Use </a:t>
+            </a:r>
+            <a:r>
+              <a:rPr lang="en-GB" b="1" dirty="0"/>
+              <a:t>GPS</a:t>
+            </a:r>
+            <a:r>
+              <a:rPr lang="en-GB" dirty="0"/>
+              <a:t> to select location.</a:t>
+            </a:r>
+          </a:p>
+          <a:p>
+            <a:r>
+              <a:rPr lang="en-GB" dirty="0"/>
+              <a:t>We are doing the </a:t>
+            </a:r>
+            <a:r>
+              <a:rPr lang="en-GB" b="1" dirty="0"/>
+              <a:t>suggested diet</a:t>
+            </a:r>
+            <a:r>
+              <a:rPr lang="en-GB" dirty="0"/>
+              <a:t>, other functions will include </a:t>
+            </a:r>
+            <a:r>
+              <a:rPr lang="en-GB" b="1" dirty="0"/>
+              <a:t>comparing mothers data </a:t>
+            </a:r>
+            <a:r>
+              <a:rPr lang="en-GB" dirty="0"/>
+              <a:t>to </a:t>
+            </a:r>
+            <a:r>
+              <a:rPr lang="en-GB" b="1" dirty="0"/>
+              <a:t>different diets</a:t>
+            </a:r>
+            <a:r>
+              <a:rPr lang="en-GB" dirty="0"/>
+              <a:t> in the </a:t>
+            </a:r>
+            <a:r>
+              <a:rPr lang="en-GB" b="1" dirty="0"/>
+              <a:t>database</a:t>
+            </a:r>
+            <a:r>
+              <a:rPr lang="en-GB" dirty="0"/>
+              <a:t>.</a:t>
+            </a:r>
+          </a:p>
+          <a:p>
+            <a:pPr marL="0" indent="0">
+              <a:buNone/>
+            </a:pPr>
+            <a:endParaRPr lang="en-GB" dirty="0"/>
+          </a:p>
+          <a:p>
+            <a:endParaRPr lang="en-GB" dirty="0"/>
+          </a:p>
+          <a:p>
+            <a:endParaRPr lang="en-GB" dirty="0"/>
+          </a:p>
+        </p:txBody>
+      </p:sp>
+    </p:spTree>
+    <p:extLst>
+      <p:ext uri="{BB962C8B-B14F-4D97-AF65-F5344CB8AC3E}">
+        <p14:creationId xmlns:p14="http://schemas.microsoft.com/office/powerpoint/2010/main" val="320519380"/>
+      </p:ext>
+    </p:extLst>
+  </p:cSld>
+  <p:clrMapOvr>
+    <a:masterClrMapping/>
+  </p:clrMapOvr>
+</p:sld>
+</file>
+
+<file path=ppt/slides/slide5.xml><?xml version="1.0" encoding="utf-8"?>
+<p:sld xmlns:a="http://schemas.openxmlformats.org/drawingml/2006/main" xmlns:r="http://schemas.openxmlformats.org/officeDocument/2006/relationships" xmlns:p="http://schemas.openxmlformats.org/presentationml/2006/main">
+  <p:cSld>
+    <p:spTree>
+      <p:nvGrpSpPr>
+        <p:cNvPr id="1" name=""/>
+        <p:cNvGrpSpPr/>
+        <p:nvPr/>
+      </p:nvGrpSpPr>
+      <p:grpSpPr>
+        <a:xfrm>
+          <a:off x="0" y="0"/>
+          <a:ext cx="0" cy="0"/>
+          <a:chOff x="0" y="0"/>
+          <a:chExt cx="0" cy="0"/>
+        </a:xfrm>
+      </p:grpSpPr>
+      <p:sp>
+        <p:nvSpPr>
+          <p:cNvPr id="2" name="Title 1"/>
+          <p:cNvSpPr>
+            <a:spLocks noGrp="1"/>
+          </p:cNvSpPr>
+          <p:nvPr>
+            <p:ph type="title"/>
+          </p:nvPr>
+        </p:nvSpPr>
+        <p:spPr/>
+        <p:txBody>
+          <a:bodyPr/>
+          <a:lstStyle/>
+          <a:p>
+            <a:r>
+              <a:rPr lang="en-GB" b="1" dirty="0"/>
               <a:t>Our product</a:t>
             </a:r>
           </a:p>
@@ -4104,10 +4413,10 @@
           <a:bodyPr/>
           <a:lstStyle/>
           <a:p>
-            <a:r>
-              <a:rPr lang="en-GB" dirty="0"/>
-              <a:t>Innovative</a:t>
-            </a:r>
+            <a:pPr marL="0" indent="0">
+              <a:buNone/>
+            </a:pPr>
+            <a:endParaRPr lang="en-GB" dirty="0"/>
           </a:p>
         </p:txBody>
       </p:sp>
